--- a/ШАГ проект. Инновационная платежная система — копия.pptx
+++ b/ШАГ проект. Инновационная платежная система — копия.pptx
@@ -244,7 +244,7 @@
           <a:p>
             <a:fld id="{6B78AFD3-869B-480E-8727-6FE732510D6B}" type="datetimeFigureOut">
               <a:rPr lang="ru-RU" smtClean="0"/>
-              <a:t>17.06.2023</a:t>
+              <a:t>03.07.2023</a:t>
             </a:fld>
             <a:endParaRPr lang="ru-RU"/>
           </a:p>
@@ -811,7 +811,7 @@
           <a:p>
             <a:fld id="{E79EEF09-15BD-46B3-8E04-BEAC8FD3E042}" type="datetimeFigureOut">
               <a:rPr lang="ru-RU" smtClean="0"/>
-              <a:t>17.06.2023</a:t>
+              <a:t>03.07.2023</a:t>
             </a:fld>
             <a:endParaRPr lang="ru-RU"/>
           </a:p>
@@ -981,7 +981,7 @@
           <a:p>
             <a:fld id="{E79EEF09-15BD-46B3-8E04-BEAC8FD3E042}" type="datetimeFigureOut">
               <a:rPr lang="ru-RU" smtClean="0"/>
-              <a:t>17.06.2023</a:t>
+              <a:t>03.07.2023</a:t>
             </a:fld>
             <a:endParaRPr lang="ru-RU"/>
           </a:p>
@@ -1161,7 +1161,7 @@
           <a:p>
             <a:fld id="{E79EEF09-15BD-46B3-8E04-BEAC8FD3E042}" type="datetimeFigureOut">
               <a:rPr lang="ru-RU" smtClean="0"/>
-              <a:t>17.06.2023</a:t>
+              <a:t>03.07.2023</a:t>
             </a:fld>
             <a:endParaRPr lang="ru-RU"/>
           </a:p>
@@ -1331,7 +1331,7 @@
           <a:p>
             <a:fld id="{E79EEF09-15BD-46B3-8E04-BEAC8FD3E042}" type="datetimeFigureOut">
               <a:rPr lang="ru-RU" smtClean="0"/>
-              <a:t>17.06.2023</a:t>
+              <a:t>03.07.2023</a:t>
             </a:fld>
             <a:endParaRPr lang="ru-RU"/>
           </a:p>
@@ -1577,7 +1577,7 @@
           <a:p>
             <a:fld id="{E79EEF09-15BD-46B3-8E04-BEAC8FD3E042}" type="datetimeFigureOut">
               <a:rPr lang="ru-RU" smtClean="0"/>
-              <a:t>17.06.2023</a:t>
+              <a:t>03.07.2023</a:t>
             </a:fld>
             <a:endParaRPr lang="ru-RU"/>
           </a:p>
@@ -1809,7 +1809,7 @@
           <a:p>
             <a:fld id="{E79EEF09-15BD-46B3-8E04-BEAC8FD3E042}" type="datetimeFigureOut">
               <a:rPr lang="ru-RU" smtClean="0"/>
-              <a:t>17.06.2023</a:t>
+              <a:t>03.07.2023</a:t>
             </a:fld>
             <a:endParaRPr lang="ru-RU"/>
           </a:p>
@@ -2176,7 +2176,7 @@
           <a:p>
             <a:fld id="{E79EEF09-15BD-46B3-8E04-BEAC8FD3E042}" type="datetimeFigureOut">
               <a:rPr lang="ru-RU" smtClean="0"/>
-              <a:t>17.06.2023</a:t>
+              <a:t>03.07.2023</a:t>
             </a:fld>
             <a:endParaRPr lang="ru-RU"/>
           </a:p>
@@ -2294,7 +2294,7 @@
           <a:p>
             <a:fld id="{E79EEF09-15BD-46B3-8E04-BEAC8FD3E042}" type="datetimeFigureOut">
               <a:rPr lang="ru-RU" smtClean="0"/>
-              <a:t>17.06.2023</a:t>
+              <a:t>03.07.2023</a:t>
             </a:fld>
             <a:endParaRPr lang="ru-RU"/>
           </a:p>
@@ -2389,7 +2389,7 @@
           <a:p>
             <a:fld id="{E79EEF09-15BD-46B3-8E04-BEAC8FD3E042}" type="datetimeFigureOut">
               <a:rPr lang="ru-RU" smtClean="0"/>
-              <a:t>17.06.2023</a:t>
+              <a:t>03.07.2023</a:t>
             </a:fld>
             <a:endParaRPr lang="ru-RU"/>
           </a:p>
@@ -2666,7 +2666,7 @@
           <a:p>
             <a:fld id="{E79EEF09-15BD-46B3-8E04-BEAC8FD3E042}" type="datetimeFigureOut">
               <a:rPr lang="ru-RU" smtClean="0"/>
-              <a:t>17.06.2023</a:t>
+              <a:t>03.07.2023</a:t>
             </a:fld>
             <a:endParaRPr lang="ru-RU"/>
           </a:p>
@@ -2919,7 +2919,7 @@
           <a:p>
             <a:fld id="{E79EEF09-15BD-46B3-8E04-BEAC8FD3E042}" type="datetimeFigureOut">
               <a:rPr lang="ru-RU" smtClean="0"/>
-              <a:t>17.06.2023</a:t>
+              <a:t>03.07.2023</a:t>
             </a:fld>
             <a:endParaRPr lang="ru-RU"/>
           </a:p>
@@ -3132,7 +3132,7 @@
           <a:p>
             <a:fld id="{E79EEF09-15BD-46B3-8E04-BEAC8FD3E042}" type="datetimeFigureOut">
               <a:rPr lang="ru-RU" smtClean="0"/>
-              <a:t>17.06.2023</a:t>
+              <a:t>03.07.2023</a:t>
             </a:fld>
             <a:endParaRPr lang="ru-RU"/>
           </a:p>
@@ -4569,7 +4569,7 @@
         <p:spPr>
           <a:xfrm>
             <a:off x="1079075" y="1993074"/>
-            <a:ext cx="10580914" cy="4124206"/>
+            <a:ext cx="10580914" cy="4070345"/>
           </a:xfrm>
           <a:prstGeom prst="rect">
             <a:avLst/>
@@ -4601,10 +4601,10 @@
               <a:rPr lang="en-US" sz="1650" u="sng" dirty="0" smtClean="0">
                 <a:hlinkClick r:id="rId3"/>
               </a:rPr>
-              <a:t>BeautifulSoup</a:t>
-            </a:r>
-            <a:r>
-              <a:rPr lang="en-US" sz="1600" dirty="0" smtClean="0">
+              <a:t>RabbitMQ</a:t>
+            </a:r>
+            <a:r>
+              <a:rPr lang="en-US" sz="1600" dirty="0">
                 <a:hlinkClick r:id="rId3"/>
               </a:rPr>
               <a:t> </a:t>
@@ -4615,18 +4615,14 @@
             </a:r>
             <a:r>
               <a:rPr lang="ru-RU" sz="1600" dirty="0"/>
-              <a:t>б</a:t>
-            </a:r>
-            <a:r>
-              <a:rPr lang="ru-RU" sz="1600" dirty="0" smtClean="0"/>
-              <a:t>иблиотека для </a:t>
-            </a:r>
-            <a:r>
-              <a:rPr lang="ru-RU" sz="1600" dirty="0"/>
-              <a:t>парсинга данных из HTML и XML файлов</a:t>
-            </a:r>
-            <a:r>
-              <a:rPr lang="ru-RU" sz="1600" dirty="0" smtClean="0"/>
+              <a:t> программный брокер сообщений на основе стандарта </a:t>
+            </a:r>
+            <a:r>
+              <a:rPr lang="ru-RU" sz="1600" dirty="0" smtClean="0"/>
+              <a:t>AMQP</a:t>
+            </a:r>
+            <a:r>
+              <a:rPr lang="en-US" sz="1600" dirty="0" smtClean="0"/>
               <a:t>.</a:t>
             </a:r>
           </a:p>
@@ -5587,33 +5583,49 @@
             </a:r>
             <a:r>
               <a:rPr lang="ru-RU" sz="1600" dirty="0" smtClean="0"/>
-              <a:t>Шифрование данных в </a:t>
-            </a:r>
-            <a:r>
-              <a:rPr lang="en-US" sz="1600" dirty="0"/>
-              <a:t>R</a:t>
+              <a:t>Шифрование </a:t>
+            </a:r>
+            <a:r>
+              <a:rPr lang="ru-RU" sz="1600" dirty="0" smtClean="0"/>
+              <a:t>данных</a:t>
+            </a:r>
+            <a:endParaRPr lang="en-US" sz="1600" dirty="0"/>
+          </a:p>
+          <a:p>
+            <a:endParaRPr lang="en-US" sz="1600" dirty="0"/>
+          </a:p>
+          <a:p>
+            <a:r>
+              <a:rPr lang="ru-RU" sz="1600" dirty="0" smtClean="0"/>
+              <a:t>Использование </a:t>
             </a:r>
             <a:r>
               <a:rPr lang="en-US" sz="1600" dirty="0" smtClean="0"/>
-              <a:t>edis</a:t>
-            </a:r>
-            <a:endParaRPr lang="en-US" sz="1600" dirty="0"/>
-          </a:p>
-          <a:p>
-            <a:endParaRPr lang="en-US" sz="1600" dirty="0"/>
-          </a:p>
-          <a:p>
-            <a:r>
-              <a:rPr lang="ru-RU" sz="1600" dirty="0" smtClean="0"/>
-              <a:t>Использование </a:t>
+              <a:t>cryptography, hashlib</a:t>
+            </a:r>
+            <a:r>
+              <a:rPr lang="ru-RU" sz="1600" dirty="0" smtClean="0"/>
+              <a:t> </a:t>
             </a:r>
             <a:r>
               <a:rPr lang="ru-RU" sz="1600" dirty="0"/>
-              <a:t>Fernet для шифрования данных перед их сохранением в </a:t>
-            </a:r>
-            <a:r>
-              <a:rPr lang="ru-RU" sz="1600" dirty="0" smtClean="0"/>
-              <a:t>Redis. Добавляет </a:t>
+              <a:t>для </a:t>
+            </a:r>
+            <a:r>
+              <a:rPr lang="ru-RU" sz="1600" dirty="0" smtClean="0"/>
+              <a:t>засекречивания данных </a:t>
+            </a:r>
+            <a:r>
+              <a:rPr lang="ru-RU" sz="1600" dirty="0"/>
+              <a:t>перед их </a:t>
+            </a:r>
+            <a:r>
+              <a:rPr lang="ru-RU" sz="1600" dirty="0" smtClean="0"/>
+              <a:t>сохранением. </a:t>
+            </a:r>
+            <a:r>
+              <a:rPr lang="ru-RU" sz="1600" dirty="0" smtClean="0"/>
+              <a:t>Добавляет </a:t>
             </a:r>
             <a:r>
               <a:rPr lang="ru-RU" sz="1600" dirty="0"/>
@@ -5895,12 +5907,8 @@
               <a:t>Использование </a:t>
             </a:r>
             <a:r>
-              <a:rPr lang="en-US" sz="1600" dirty="0" smtClean="0"/>
-              <a:t>csrf</a:t>
-            </a:r>
-            <a:r>
-              <a:rPr lang="ru-RU" sz="1600" dirty="0" smtClean="0"/>
-              <a:t> токенов</a:t>
+              <a:rPr lang="ru-RU" sz="1600" dirty="0" smtClean="0"/>
+              <a:t>токенов</a:t>
             </a:r>
             <a:endParaRPr lang="en-US" sz="1600" dirty="0" smtClean="0"/>
           </a:p>
@@ -5913,12 +5921,20 @@
               <a:t>Использование </a:t>
             </a:r>
             <a:r>
-              <a:rPr lang="en-US" sz="1600" dirty="0" smtClean="0"/>
-              <a:t>csrf</a:t>
-            </a:r>
-            <a:r>
-              <a:rPr lang="ru-RU" sz="1600" dirty="0" smtClean="0"/>
-              <a:t> токенов при отправке формы предотвращает межсайтовую подделку запроса пользователя злоумышленниками.</a:t>
+              <a:rPr lang="ru-RU" sz="1600" dirty="0" smtClean="0"/>
+              <a:t>токенов </a:t>
+            </a:r>
+            <a:r>
+              <a:rPr lang="ru-RU" sz="1600" dirty="0" smtClean="0"/>
+              <a:t>при отправке </a:t>
+            </a:r>
+            <a:r>
+              <a:rPr lang="ru-RU" sz="1600" dirty="0" smtClean="0"/>
+              <a:t>данных предотвращает </a:t>
+            </a:r>
+            <a:r>
+              <a:rPr lang="ru-RU" sz="1600" dirty="0" smtClean="0"/>
+              <a:t>межсайтовую подделку запроса пользователя злоумышленниками.</a:t>
             </a:r>
             <a:endParaRPr lang="ru-RU" sz="1600" dirty="0"/>
           </a:p>
@@ -6975,21 +6991,21 @@
             </a:r>
             <a:r>
               <a:rPr lang="ru-RU" sz="1600" dirty="0" smtClean="0"/>
-              <a:t>мне удалось </a:t>
-            </a:r>
-            <a:r>
-              <a:rPr lang="ru-RU" sz="1600" dirty="0" smtClean="0"/>
-              <a:t>достичь желаемого </a:t>
-            </a:r>
-            <a:r>
-              <a:rPr lang="ru-RU" sz="1600" dirty="0" smtClean="0"/>
-              <a:t>результата.</a:t>
-            </a:r>
-          </a:p>
-          <a:p>
-            <a:r>
-              <a:rPr lang="ru-RU" sz="1600" dirty="0" smtClean="0"/>
-              <a:t>Я смог создать функциональную и легко расширяемую систему, которая</a:t>
+              <a:t>мне удалось достичь желаемого результата.</a:t>
+            </a:r>
+          </a:p>
+          <a:p>
+            <a:r>
+              <a:rPr lang="ru-RU" sz="1600" dirty="0" smtClean="0"/>
+              <a:t>Я смог создать функциональную и </a:t>
+            </a:r>
+            <a:r>
+              <a:rPr lang="ru-RU" sz="1600" dirty="0" smtClean="0"/>
+              <a:t>расширяемую </a:t>
+            </a:r>
+            <a:r>
+              <a:rPr lang="ru-RU" sz="1600" dirty="0" smtClean="0"/>
+              <a:t>систему, которая</a:t>
             </a:r>
             <a:br>
               <a:rPr lang="ru-RU" sz="1600" dirty="0" smtClean="0"/>
@@ -7027,15 +7043,15 @@
           <a:p>
             <a:r>
               <a:rPr lang="en-US" sz="1600" dirty="0" smtClean="0"/>
-              <a:t>Celery</a:t>
-            </a:r>
-            <a:r>
-              <a:rPr lang="ru-RU" sz="1600" dirty="0" smtClean="0"/>
-              <a:t> и</a:t>
+              <a:t>RabbitMQ </a:t>
+            </a:r>
+            <a:r>
+              <a:rPr lang="ru-RU" sz="1600" dirty="0" smtClean="0"/>
+              <a:t>и</a:t>
             </a:r>
             <a:r>
               <a:rPr lang="en-US" sz="1600" dirty="0" smtClean="0"/>
-              <a:t> JSON Web Tokens. </a:t>
+              <a:t> JWT. </a:t>
             </a:r>
             <a:r>
               <a:rPr lang="ru-RU" sz="1600" dirty="0" smtClean="0"/>
@@ -7080,99 +7096,45 @@
           </a:p>
           <a:p>
             <a:r>
+              <a:rPr lang="ru-RU" sz="1600" dirty="0" smtClean="0"/>
+              <a:t>Хранение </a:t>
+            </a:r>
+            <a:r>
+              <a:rPr lang="ru-RU" sz="1600" dirty="0" smtClean="0"/>
+              <a:t>токенов, обеспечение безопасности и подключение </a:t>
+            </a:r>
+            <a:r>
+              <a:rPr lang="en-US" sz="1600" dirty="0" smtClean="0"/>
+              <a:t>Celery.</a:t>
+            </a:r>
+            <a:r>
               <a:rPr lang="ru-RU" sz="1600" dirty="0"/>
-              <a:t>и</a:t>
-            </a:r>
-            <a:r>
-              <a:rPr lang="ru-RU" sz="1600" dirty="0" smtClean="0"/>
-              <a:t>спользование </a:t>
-            </a:r>
+              <a:t/>
+            </a:r>
+            <a:br>
+              <a:rPr lang="ru-RU" sz="1600" dirty="0"/>
+            </a:br>
             <a:r>
               <a:rPr lang="en-US" sz="1600" dirty="0" smtClean="0"/>
-              <a:t>JWT</a:t>
-            </a:r>
-            <a:r>
-              <a:rPr lang="ru-RU" sz="1600" dirty="0" smtClean="0"/>
-              <a:t>, подключение</a:t>
+              <a:t>Celery</a:t>
+            </a:r>
+            <a:r>
+              <a:rPr lang="ru-RU" sz="1600" dirty="0" smtClean="0"/>
+              <a:t> так и не удалось подключить, из-за чего пришлось использовать</a:t>
+            </a:r>
+          </a:p>
+          <a:p>
+            <a:r>
+              <a:rPr lang="en-US" sz="1600" dirty="0" smtClean="0"/>
+              <a:t>rabbitMQ</a:t>
             </a:r>
             <a:r>
               <a:rPr lang="ru-RU" sz="1600" dirty="0"/>
               <a:t> </a:t>
             </a:r>
             <a:r>
-              <a:rPr lang="en-US" sz="1600" dirty="0" smtClean="0"/>
-              <a:t>Celery</a:t>
-            </a:r>
-            <a:r>
-              <a:rPr lang="ru-RU" sz="1600" dirty="0" smtClean="0"/>
-              <a:t> и написание </a:t>
-            </a:r>
-            <a:r>
-              <a:rPr lang="en-US" sz="1600" dirty="0" smtClean="0"/>
-              <a:t>frontend</a:t>
-            </a:r>
-            <a:r>
-              <a:rPr lang="en-US" sz="1600" dirty="0" smtClean="0"/>
-              <a:t>’a</a:t>
-            </a:r>
-            <a:r>
-              <a:rPr lang="ru-RU" sz="1600" dirty="0" smtClean="0"/>
-              <a:t>.</a:t>
-            </a:r>
-            <a:endParaRPr lang="en-US" sz="1600" dirty="0" smtClean="0"/>
-          </a:p>
-          <a:p>
-            <a:endParaRPr lang="en-US" sz="1600" dirty="0"/>
-          </a:p>
-          <a:p>
-            <a:r>
-              <a:rPr lang="ru-RU" sz="1600" dirty="0" smtClean="0"/>
-              <a:t>В решении этих проблем мне помогли следующие источники:</a:t>
-            </a:r>
-            <a:endParaRPr lang="en-US" sz="1600" dirty="0">
-              <a:hlinkClick r:id="rId4"/>
-            </a:endParaRPr>
-          </a:p>
-          <a:p>
-            <a:r>
-              <a:rPr lang="en-US" sz="1600" dirty="0" smtClean="0">
-                <a:hlinkClick r:id="rId4"/>
-              </a:rPr>
-              <a:t>JWT</a:t>
-            </a:r>
-            <a:r>
-              <a:rPr lang="en-US" sz="1600" dirty="0" smtClean="0"/>
-              <a:t>, </a:t>
-            </a:r>
-            <a:r>
-              <a:rPr lang="en-US" sz="1600" dirty="0" smtClean="0">
-                <a:hlinkClick r:id="rId5"/>
-              </a:rPr>
-              <a:t>Celery</a:t>
-            </a:r>
-            <a:r>
-              <a:rPr lang="en-US" sz="1600" dirty="0" smtClean="0"/>
-              <a:t>, </a:t>
-            </a:r>
-            <a:r>
-              <a:rPr lang="en-US" sz="1600" dirty="0" smtClean="0">
-                <a:hlinkClick r:id="rId6"/>
-              </a:rPr>
-              <a:t>axios</a:t>
-            </a:r>
-            <a:r>
-              <a:rPr lang="en-US" sz="1600" dirty="0" smtClean="0"/>
-              <a:t>, </a:t>
-            </a:r>
-            <a:r>
-              <a:rPr lang="en-US" sz="1600" dirty="0" smtClean="0">
-                <a:hlinkClick r:id="rId7"/>
-              </a:rPr>
-              <a:t>fingerprint</a:t>
-            </a:r>
-            <a:r>
-              <a:rPr lang="en-US" sz="1600" dirty="0" smtClean="0"/>
-              <a:t>.</a:t>
+              <a:rPr lang="ru-RU" sz="1600" dirty="0" smtClean="0"/>
+              <a:t>для общения с параллельно работающим процессом, выполняющим необходимую функциональность.</a:t>
             </a:r>
             <a:endParaRPr lang="ru-RU" sz="1600" dirty="0" smtClean="0"/>
           </a:p>
@@ -8378,11 +8340,7 @@
             </a:r>
             <a:r>
               <a:rPr lang="ru-RU" sz="1700" dirty="0" smtClean="0"/>
-              <a:t>разработан </a:t>
-            </a:r>
-            <a:r>
-              <a:rPr lang="ru-RU" sz="1700" dirty="0" smtClean="0"/>
-              <a:t>с использованием HTML, CSS и JavaScript для создания интерактивного пользовательского интерфейса.</a:t>
+              <a:t>разработан с использованием HTML, CSS и JavaScript для создания интерактивного пользовательского интерфейса.</a:t>
             </a:r>
           </a:p>
           <a:p>
@@ -9344,15 +9302,19 @@
           <a:p>
             <a:r>
               <a:rPr lang="en-US" sz="1650" u="sng" dirty="0" smtClean="0"/>
-              <a:t>Controllers</a:t>
+              <a:t>Services</a:t>
             </a:r>
             <a:r>
               <a:rPr lang="en-US" sz="1600" dirty="0" smtClean="0"/>
               <a:t> </a:t>
             </a:r>
             <a:r>
+              <a:rPr lang="ru-RU" sz="1600" dirty="0" smtClean="0"/>
+              <a:t>представляют </a:t>
+            </a:r>
+            <a:r>
               <a:rPr lang="ru-RU" sz="1600" dirty="0"/>
-              <a:t>представляют бизнес-логику </a:t>
+              <a:t>бизнес-логику </a:t>
             </a:r>
             <a:r>
               <a:rPr lang="ru-RU" sz="1600" dirty="0" smtClean="0"/>
